--- a/Presentation2.pptx
+++ b/Presentation2.pptx
@@ -214,7 +214,7 @@
           <a:p>
             <a:fld id="{906AFCEB-4AD2-4D33-8CB3-D2E1A8B89ADE}" type="datetimeFigureOut">
               <a:rPr lang="en-US" smtClean="0"/>
-              <a:t>2/9/2016</a:t>
+              <a:t>2/10/2016</a:t>
             </a:fld>
             <a:endParaRPr lang="en-US"/>
           </a:p>
@@ -781,7 +781,7 @@
           <a:p>
             <a:fld id="{311ED5DF-F52C-42D6-9D61-D3CD03F694C2}" type="datetimeFigureOut">
               <a:rPr lang="en-US" smtClean="0"/>
-              <a:t>2/9/2016</a:t>
+              <a:t>2/10/2016</a:t>
             </a:fld>
             <a:endParaRPr lang="en-US"/>
           </a:p>
@@ -951,7 +951,7 @@
           <a:p>
             <a:fld id="{311ED5DF-F52C-42D6-9D61-D3CD03F694C2}" type="datetimeFigureOut">
               <a:rPr lang="en-US" smtClean="0"/>
-              <a:t>2/9/2016</a:t>
+              <a:t>2/10/2016</a:t>
             </a:fld>
             <a:endParaRPr lang="en-US"/>
           </a:p>
@@ -1131,7 +1131,7 @@
           <a:p>
             <a:fld id="{311ED5DF-F52C-42D6-9D61-D3CD03F694C2}" type="datetimeFigureOut">
               <a:rPr lang="en-US" smtClean="0"/>
-              <a:t>2/9/2016</a:t>
+              <a:t>2/10/2016</a:t>
             </a:fld>
             <a:endParaRPr lang="en-US"/>
           </a:p>
@@ -1301,7 +1301,7 @@
           <a:p>
             <a:fld id="{311ED5DF-F52C-42D6-9D61-D3CD03F694C2}" type="datetimeFigureOut">
               <a:rPr lang="en-US" smtClean="0"/>
-              <a:t>2/9/2016</a:t>
+              <a:t>2/10/2016</a:t>
             </a:fld>
             <a:endParaRPr lang="en-US"/>
           </a:p>
@@ -1547,7 +1547,7 @@
           <a:p>
             <a:fld id="{311ED5DF-F52C-42D6-9D61-D3CD03F694C2}" type="datetimeFigureOut">
               <a:rPr lang="en-US" smtClean="0"/>
-              <a:t>2/9/2016</a:t>
+              <a:t>2/10/2016</a:t>
             </a:fld>
             <a:endParaRPr lang="en-US"/>
           </a:p>
@@ -1779,7 +1779,7 @@
           <a:p>
             <a:fld id="{311ED5DF-F52C-42D6-9D61-D3CD03F694C2}" type="datetimeFigureOut">
               <a:rPr lang="en-US" smtClean="0"/>
-              <a:t>2/9/2016</a:t>
+              <a:t>2/10/2016</a:t>
             </a:fld>
             <a:endParaRPr lang="en-US"/>
           </a:p>
@@ -2146,7 +2146,7 @@
           <a:p>
             <a:fld id="{311ED5DF-F52C-42D6-9D61-D3CD03F694C2}" type="datetimeFigureOut">
               <a:rPr lang="en-US" smtClean="0"/>
-              <a:t>2/9/2016</a:t>
+              <a:t>2/10/2016</a:t>
             </a:fld>
             <a:endParaRPr lang="en-US"/>
           </a:p>
@@ -2264,7 +2264,7 @@
           <a:p>
             <a:fld id="{311ED5DF-F52C-42D6-9D61-D3CD03F694C2}" type="datetimeFigureOut">
               <a:rPr lang="en-US" smtClean="0"/>
-              <a:t>2/9/2016</a:t>
+              <a:t>2/10/2016</a:t>
             </a:fld>
             <a:endParaRPr lang="en-US"/>
           </a:p>
@@ -2359,7 +2359,7 @@
           <a:p>
             <a:fld id="{311ED5DF-F52C-42D6-9D61-D3CD03F694C2}" type="datetimeFigureOut">
               <a:rPr lang="en-US" smtClean="0"/>
-              <a:t>2/9/2016</a:t>
+              <a:t>2/10/2016</a:t>
             </a:fld>
             <a:endParaRPr lang="en-US"/>
           </a:p>
@@ -2636,7 +2636,7 @@
           <a:p>
             <a:fld id="{311ED5DF-F52C-42D6-9D61-D3CD03F694C2}" type="datetimeFigureOut">
               <a:rPr lang="en-US" smtClean="0"/>
-              <a:t>2/9/2016</a:t>
+              <a:t>2/10/2016</a:t>
             </a:fld>
             <a:endParaRPr lang="en-US"/>
           </a:p>
@@ -2889,7 +2889,7 @@
           <a:p>
             <a:fld id="{311ED5DF-F52C-42D6-9D61-D3CD03F694C2}" type="datetimeFigureOut">
               <a:rPr lang="en-US" smtClean="0"/>
-              <a:t>2/9/2016</a:t>
+              <a:t>2/10/2016</a:t>
             </a:fld>
             <a:endParaRPr lang="en-US"/>
           </a:p>
@@ -3102,7 +3102,7 @@
           <a:p>
             <a:fld id="{311ED5DF-F52C-42D6-9D61-D3CD03F694C2}" type="datetimeFigureOut">
               <a:rPr lang="en-US" smtClean="0"/>
-              <a:t>2/9/2016</a:t>
+              <a:t>2/10/2016</a:t>
             </a:fld>
             <a:endParaRPr lang="en-US"/>
           </a:p>
@@ -3532,15 +3532,7 @@
             <a:pPr algn="ctr"/>
             <a:r>
               <a:rPr lang="en-US" sz="4000" dirty="0" smtClean="0"/>
-              <a:t>Predicting </a:t>
-            </a:r>
-            <a:r>
-              <a:rPr lang="en-US" sz="4000" dirty="0" smtClean="0"/>
-              <a:t>Obesity Rate </a:t>
-            </a:r>
-            <a:r>
-              <a:rPr lang="en-US" sz="4000" dirty="0" smtClean="0"/>
-              <a:t>in the United States</a:t>
+              <a:t>Predicting Obesity Rate in the United States</a:t>
             </a:r>
           </a:p>
         </p:txBody>
@@ -3727,11 +3719,7 @@
             </a:pPr>
             <a:r>
               <a:rPr lang="en-US" sz="2400" dirty="0" smtClean="0"/>
-              <a:t>This </a:t>
-            </a:r>
-            <a:r>
-              <a:rPr lang="en-US" sz="2400" dirty="0" smtClean="0"/>
-              <a:t>is the process of using many or all of the Food Factors data sets combined and building a model on their predictability of the obesity rate.</a:t>
+              <a:t>This is the process of using many or all of the Food Factors data sets combined and building a model on their predictability of the obesity rate.</a:t>
             </a:r>
             <a:endParaRPr lang="en-US" sz="2400" dirty="0"/>
           </a:p>
@@ -3839,11 +3827,7 @@
           <a:p>
             <a:r>
               <a:rPr lang="en-US" sz="3600" u="sng" dirty="0" smtClean="0"/>
-              <a:t>Multivariable </a:t>
-            </a:r>
-            <a:r>
-              <a:rPr lang="en-US" sz="3600" u="sng" dirty="0" smtClean="0"/>
-              <a:t>Regression: Linear Regression</a:t>
+              <a:t>Multivariable Regression: Linear Regression</a:t>
             </a:r>
             <a:endParaRPr lang="en-US" sz="3600" u="sng" dirty="0"/>
           </a:p>
@@ -4334,11 +4318,7 @@
           <a:p>
             <a:r>
               <a:rPr lang="en-US" sz="3600" u="sng" dirty="0" smtClean="0"/>
-              <a:t>Multivariable </a:t>
-            </a:r>
-            <a:r>
-              <a:rPr lang="en-US" sz="3600" u="sng" dirty="0" smtClean="0"/>
-              <a:t>Regression: KNN</a:t>
+              <a:t>Multivariable Regression: KNN</a:t>
             </a:r>
             <a:endParaRPr lang="en-US" sz="3600" u="sng" dirty="0"/>
           </a:p>
@@ -4371,11 +4351,7 @@
             </a:pPr>
             <a:r>
               <a:rPr lang="en-US" sz="2000" b="1" dirty="0" smtClean="0"/>
-              <a:t>With Cross </a:t>
-            </a:r>
-            <a:r>
-              <a:rPr lang="en-US" sz="2000" b="1" dirty="0" smtClean="0"/>
-              <a:t>Validation having 10 folds:</a:t>
+              <a:t>With Cross Validation having 10 folds:</a:t>
             </a:r>
             <a:endParaRPr lang="en-US" sz="2000" dirty="0"/>
           </a:p>
@@ -4397,7 +4373,15 @@
             <a:pPr lvl="1"/>
             <a:r>
               <a:rPr lang="en-US" sz="1600" dirty="0"/>
-              <a:t>Mean Linear Val Score:  </a:t>
+              <a:t>Mean </a:t>
+            </a:r>
+            <a:r>
+              <a:rPr lang="en-US" sz="1600" dirty="0" smtClean="0"/>
+              <a:t>Val </a:t>
+            </a:r>
+            <a:r>
+              <a:rPr lang="en-US" sz="1600" dirty="0"/>
+              <a:t>Score:  </a:t>
             </a:r>
             <a:r>
               <a:rPr lang="en-US" sz="1600" dirty="0" smtClean="0"/>
@@ -4423,7 +4407,15 @@
             <a:pPr lvl="1"/>
             <a:r>
               <a:rPr lang="en-US" sz="1600" dirty="0"/>
-              <a:t>Mean Linear Val Score</a:t>
+              <a:t>Mean </a:t>
+            </a:r>
+            <a:r>
+              <a:rPr lang="en-US" sz="1600" dirty="0" smtClean="0"/>
+              <a:t>Val </a:t>
+            </a:r>
+            <a:r>
+              <a:rPr lang="en-US" sz="1600" dirty="0"/>
+              <a:t>Score</a:t>
             </a:r>
             <a:r>
               <a:rPr lang="en-US" sz="1600" dirty="0" smtClean="0"/>
@@ -4449,7 +4441,15 @@
             <a:pPr lvl="1"/>
             <a:r>
               <a:rPr lang="en-US" sz="1600" dirty="0"/>
-              <a:t>Mean Linear Val Score</a:t>
+              <a:t>Mean </a:t>
+            </a:r>
+            <a:r>
+              <a:rPr lang="en-US" sz="1600" dirty="0" smtClean="0"/>
+              <a:t>Val </a:t>
+            </a:r>
+            <a:r>
+              <a:rPr lang="en-US" sz="1600" dirty="0"/>
+              <a:t>Score</a:t>
             </a:r>
             <a:r>
               <a:rPr lang="en-US" sz="1600" dirty="0" smtClean="0"/>
@@ -4475,7 +4475,15 @@
             <a:pPr lvl="1"/>
             <a:r>
               <a:rPr lang="en-US" sz="1600" dirty="0"/>
-              <a:t>Mean Linear Val Score</a:t>
+              <a:t>Mean </a:t>
+            </a:r>
+            <a:r>
+              <a:rPr lang="en-US" sz="1600" dirty="0" smtClean="0"/>
+              <a:t>Val </a:t>
+            </a:r>
+            <a:r>
+              <a:rPr lang="en-US" sz="1600" dirty="0"/>
+              <a:t>Score</a:t>
             </a:r>
             <a:r>
               <a:rPr lang="en-US" sz="1600" dirty="0" smtClean="0"/>
@@ -4502,7 +4510,15 @@
             <a:pPr lvl="1"/>
             <a:r>
               <a:rPr lang="en-US" sz="1600" dirty="0"/>
-              <a:t>Mean Linear Val Score</a:t>
+              <a:t>Mean </a:t>
+            </a:r>
+            <a:r>
+              <a:rPr lang="en-US" sz="1600" dirty="0" smtClean="0"/>
+              <a:t>Val </a:t>
+            </a:r>
+            <a:r>
+              <a:rPr lang="en-US" sz="1600" dirty="0"/>
+              <a:t>Score</a:t>
             </a:r>
             <a:r>
               <a:rPr lang="en-US" sz="1600" dirty="0" smtClean="0"/>
@@ -4692,11 +4708,7 @@
           <a:p>
             <a:r>
               <a:rPr lang="en-US" sz="3600" u="sng" dirty="0" smtClean="0"/>
-              <a:t>Multivariable </a:t>
-            </a:r>
-            <a:r>
-              <a:rPr lang="en-US" sz="3600" u="sng" dirty="0" smtClean="0"/>
-              <a:t>Regression: Random Forests</a:t>
+              <a:t>Multivariable Regression: Random Forests</a:t>
             </a:r>
             <a:endParaRPr lang="en-US" sz="3600" u="sng" dirty="0"/>
           </a:p>
@@ -4733,11 +4745,7 @@
             </a:r>
             <a:r>
               <a:rPr lang="en-US" sz="2000" b="1" dirty="0" smtClean="0"/>
-              <a:t>ith </a:t>
-            </a:r>
-            <a:r>
-              <a:rPr lang="en-US" sz="2000" b="1" dirty="0" smtClean="0"/>
-              <a:t>Cross Validation having 10 folds:</a:t>
+              <a:t>ith Cross Validation having 10 folds:</a:t>
             </a:r>
             <a:endParaRPr lang="en-US" sz="2000" dirty="0"/>
           </a:p>
@@ -4759,7 +4767,15 @@
             <a:pPr lvl="1"/>
             <a:r>
               <a:rPr lang="en-US" sz="1600" dirty="0"/>
-              <a:t>Mean Linear Val Score:  </a:t>
+              <a:t>Mean </a:t>
+            </a:r>
+            <a:r>
+              <a:rPr lang="en-US" sz="1600" dirty="0" smtClean="0"/>
+              <a:t>Val </a:t>
+            </a:r>
+            <a:r>
+              <a:rPr lang="en-US" sz="1600" dirty="0"/>
+              <a:t>Score:  </a:t>
             </a:r>
             <a:r>
               <a:rPr lang="en-US" sz="1600" dirty="0" smtClean="0"/>
@@ -4785,7 +4801,15 @@
             <a:pPr lvl="1"/>
             <a:r>
               <a:rPr lang="en-US" sz="1600" dirty="0"/>
-              <a:t>Mean Linear Val Score</a:t>
+              <a:t>Mean </a:t>
+            </a:r>
+            <a:r>
+              <a:rPr lang="en-US" sz="1600" dirty="0" smtClean="0"/>
+              <a:t>Val </a:t>
+            </a:r>
+            <a:r>
+              <a:rPr lang="en-US" sz="1600" dirty="0"/>
+              <a:t>Score</a:t>
             </a:r>
             <a:r>
               <a:rPr lang="en-US" sz="1600" dirty="0" smtClean="0"/>
@@ -4811,7 +4835,15 @@
             <a:pPr lvl="1"/>
             <a:r>
               <a:rPr lang="en-US" sz="1600" dirty="0"/>
-              <a:t>Mean Linear Val Score</a:t>
+              <a:t>Mean </a:t>
+            </a:r>
+            <a:r>
+              <a:rPr lang="en-US" sz="1600" dirty="0" smtClean="0"/>
+              <a:t>Val </a:t>
+            </a:r>
+            <a:r>
+              <a:rPr lang="en-US" sz="1600" dirty="0"/>
+              <a:t>Score</a:t>
             </a:r>
             <a:r>
               <a:rPr lang="en-US" sz="1600" dirty="0" smtClean="0"/>
@@ -4837,7 +4869,15 @@
             <a:pPr lvl="1"/>
             <a:r>
               <a:rPr lang="en-US" sz="1600" dirty="0"/>
-              <a:t>Mean Linear Val Score</a:t>
+              <a:t>Mean </a:t>
+            </a:r>
+            <a:r>
+              <a:rPr lang="en-US" sz="1600" dirty="0" smtClean="0"/>
+              <a:t>Val </a:t>
+            </a:r>
+            <a:r>
+              <a:rPr lang="en-US" sz="1600" dirty="0"/>
+              <a:t>Score</a:t>
             </a:r>
             <a:r>
               <a:rPr lang="en-US" sz="1600" dirty="0" smtClean="0"/>
@@ -4864,7 +4904,15 @@
             <a:pPr lvl="1"/>
             <a:r>
               <a:rPr lang="en-US" sz="1600" dirty="0"/>
-              <a:t>Mean Linear Val Score</a:t>
+              <a:t>Mean </a:t>
+            </a:r>
+            <a:r>
+              <a:rPr lang="en-US" sz="1600" dirty="0" smtClean="0"/>
+              <a:t>Val </a:t>
+            </a:r>
+            <a:r>
+              <a:rPr lang="en-US" sz="1600" dirty="0"/>
+              <a:t>Score</a:t>
             </a:r>
             <a:r>
               <a:rPr lang="en-US" sz="1600" dirty="0" smtClean="0"/>
@@ -7940,8 +7988,13 @@
           <a:p>
             <a:r>
               <a:rPr lang="en-US" sz="2400" dirty="0" smtClean="0"/>
-              <a:t>No good conclusion</a:t>
-            </a:r>
+              <a:t>No good </a:t>
+            </a:r>
+            <a:r>
+              <a:rPr lang="en-US" sz="2400" dirty="0" smtClean="0"/>
+              <a:t>correlation </a:t>
+            </a:r>
+            <a:endParaRPr lang="en-US" sz="2400" dirty="0" smtClean="0"/>
           </a:p>
           <a:p>
             <a:r>
@@ -7954,7 +8007,6 @@
               <a:rPr lang="en-US" sz="2400" dirty="0" smtClean="0"/>
               <a:t>Not planning on writing the CDC</a:t>
             </a:r>
-            <a:endParaRPr lang="en-US" sz="2400" dirty="0" smtClean="0"/>
           </a:p>
         </p:txBody>
       </p:sp>
@@ -8060,7 +8112,6 @@
               <a:rPr lang="en-US" dirty="0" smtClean="0"/>
               <a:t>re there certain Food Sales, Socioeconomic and Food Access Factors that influence the data more heavily so we can better combat rising Obesity rates in the United States?</a:t>
             </a:r>
-            <a:endParaRPr lang="en-US" dirty="0" smtClean="0"/>
           </a:p>
         </p:txBody>
       </p:sp>
@@ -8293,13 +8344,8 @@
             </a:r>
             <a:r>
               <a:rPr lang="en-US" dirty="0" smtClean="0"/>
-              <a:t>Store </a:t>
-            </a:r>
-            <a:r>
-              <a:rPr lang="en-US" dirty="0" smtClean="0"/>
-              <a:t>Access and Access to Low income households</a:t>
-            </a:r>
-            <a:endParaRPr lang="en-US" dirty="0" smtClean="0"/>
+              <a:t>Store Access and Access to Low income households</a:t>
+            </a:r>
           </a:p>
           <a:p>
             <a:pPr lvl="2"/>
@@ -8328,11 +8374,7 @@
             </a:r>
             <a:r>
               <a:rPr lang="en-US" dirty="0" smtClean="0"/>
-              <a:t>capita on fast </a:t>
-            </a:r>
-            <a:r>
-              <a:rPr lang="en-US" dirty="0" smtClean="0"/>
-              <a:t>food and restaurants</a:t>
+              <a:t>capita on fast food and restaurants</a:t>
             </a:r>
             <a:endParaRPr lang="en-US" dirty="0"/>
           </a:p>
@@ -8455,22 +8497,14 @@
           <a:p>
             <a:r>
               <a:rPr lang="en-US" dirty="0" smtClean="0"/>
-              <a:t>Obesity </a:t>
-            </a:r>
+              <a:t>Obesity Rates in the USA</a:t>
+            </a:r>
+          </a:p>
+          <a:p>
+            <a:pPr lvl="1"/>
             <a:r>
               <a:rPr lang="en-US" dirty="0" smtClean="0"/>
-              <a:t>Rates in the USA</a:t>
-            </a:r>
-          </a:p>
-          <a:p>
-            <a:pPr lvl="1"/>
-            <a:r>
-              <a:rPr lang="en-US" dirty="0" smtClean="0"/>
-              <a:t>Data is good, didn’t need much </a:t>
-            </a:r>
-            <a:r>
-              <a:rPr lang="en-US" dirty="0" smtClean="0"/>
-              <a:t>changes</a:t>
+              <a:t>Data is good, didn’t need much changes</a:t>
             </a:r>
           </a:p>
           <a:p>
@@ -8479,7 +8513,6 @@
               <a:rPr lang="en-US" dirty="0" smtClean="0"/>
               <a:t>These will be our Y values </a:t>
             </a:r>
-            <a:endParaRPr lang="en-US" dirty="0" smtClean="0"/>
           </a:p>
           <a:p>
             <a:r>
@@ -8504,25 +8537,15 @@
             <a:pPr lvl="1"/>
             <a:r>
               <a:rPr lang="en-US" dirty="0" smtClean="0"/>
-              <a:t>All data is mostly clean, but the variables are all stored on a separate </a:t>
-            </a:r>
+              <a:t>All data is mostly clean, but the variables are all stored on a separate sheets</a:t>
+            </a:r>
+          </a:p>
+          <a:p>
+            <a:pPr lvl="1"/>
             <a:r>
               <a:rPr lang="en-US" dirty="0" smtClean="0"/>
-              <a:t>sheets</a:t>
-            </a:r>
-            <a:endParaRPr lang="en-US" dirty="0" smtClean="0"/>
-          </a:p>
-          <a:p>
-            <a:pPr lvl="1"/>
-            <a:r>
-              <a:rPr lang="en-US" dirty="0" smtClean="0"/>
-              <a:t>Column headers are impossible to know without the key so had to reference that often to </a:t>
-            </a:r>
-            <a:r>
-              <a:rPr lang="en-US" dirty="0" smtClean="0"/>
-              <a:t>understand what data was useful</a:t>
-            </a:r>
-            <a:endParaRPr lang="en-US" dirty="0" smtClean="0"/>
+              <a:t>Column headers are impossible to know without the key so had to reference that often to understand what data was useful</a:t>
+            </a:r>
           </a:p>
           <a:p>
             <a:pPr lvl="1"/>
@@ -11613,13 +11636,8 @@
             </a:pPr>
             <a:r>
               <a:rPr lang="en-US" sz="2000" dirty="0" smtClean="0"/>
-              <a:t>8 relate to Fast Food, Grocery Store and other </a:t>
-            </a:r>
-            <a:r>
-              <a:rPr lang="en-US" sz="2000" dirty="0" smtClean="0"/>
-              <a:t>food sales stores</a:t>
-            </a:r>
-            <a:endParaRPr lang="en-US" sz="2000" dirty="0" smtClean="0"/>
+              <a:t>8 relate to Fast Food, Grocery Store and other food sales stores</a:t>
+            </a:r>
           </a:p>
           <a:p>
             <a:pPr marL="285750" indent="-285750">
@@ -11826,19 +11844,7 @@
           <a:p>
             <a:r>
               <a:rPr lang="en-US" dirty="0" smtClean="0"/>
-              <a:t>Conclusion: </a:t>
-            </a:r>
-            <a:r>
-              <a:rPr lang="en-US" dirty="0" smtClean="0"/>
-              <a:t>Neither </a:t>
-            </a:r>
-            <a:r>
-              <a:rPr lang="en-US" dirty="0" smtClean="0"/>
-              <a:t>a </a:t>
-            </a:r>
-            <a:r>
-              <a:rPr lang="en-US" dirty="0" smtClean="0"/>
-              <a:t>good predictor, at any degree</a:t>
+              <a:t>Conclusion: Neither a good predictor, at any degree</a:t>
             </a:r>
             <a:endParaRPr lang="en-US" dirty="0"/>
           </a:p>
@@ -11853,7 +11859,7 @@
         <p:spPr>
           <a:xfrm>
             <a:off x="403860" y="1367790"/>
-            <a:ext cx="7947660" cy="923330"/>
+            <a:ext cx="7947660" cy="646331"/>
           </a:xfrm>
           <a:prstGeom prst="rect">
             <a:avLst/>
@@ -11868,13 +11874,19 @@
           <a:p>
             <a:r>
               <a:rPr lang="en-US" dirty="0" smtClean="0"/>
-              <a:t>First idea was that a lack of farmers markets in a county would be a large influence on the obesity rates o f the area.</a:t>
-            </a:r>
-          </a:p>
-          <a:p>
+              <a:t>First idea was that a lack of farmers markets in a county would be a large influence on the obesity rates </a:t>
+            </a:r>
             <a:r>
               <a:rPr lang="en-US" dirty="0" smtClean="0"/>
-              <a:t>Analyzed Multi-degree Linear Regression:</a:t>
+              <a:t>of </a:t>
+            </a:r>
+            <a:r>
+              <a:rPr lang="en-US" dirty="0" smtClean="0"/>
+              <a:t>the area</a:t>
+            </a:r>
+            <a:r>
+              <a:rPr lang="en-US" dirty="0" smtClean="0"/>
+              <a:t>.</a:t>
             </a:r>
             <a:endParaRPr lang="en-US" dirty="0"/>
           </a:p>
@@ -11964,21 +11976,12 @@
           <a:p>
             <a:r>
               <a:rPr lang="en-US" sz="1600" u="sng" dirty="0" smtClean="0"/>
-              <a:t>Polynomia</a:t>
-            </a:r>
-            <a:r>
-              <a:rPr lang="en-US" sz="1600" u="sng" dirty="0" smtClean="0"/>
-              <a:t>l </a:t>
-            </a:r>
-            <a:r>
-              <a:rPr lang="en-US" sz="1600" u="sng" dirty="0" smtClean="0"/>
-              <a:t>Regression Scores</a:t>
+              <a:t>Polynomial Regression Scores</a:t>
             </a:r>
             <a:r>
               <a:rPr lang="en-US" sz="1600" dirty="0" smtClean="0"/>
               <a:t> </a:t>
             </a:r>
-            <a:endParaRPr lang="en-US" sz="1600" dirty="0" smtClean="0"/>
           </a:p>
           <a:p>
             <a:r>
@@ -12067,15 +12070,7 @@
           <a:p>
             <a:r>
               <a:rPr lang="en-US" sz="3600" dirty="0" smtClean="0"/>
-              <a:t>Fast Food and </a:t>
-            </a:r>
-            <a:r>
-              <a:rPr lang="en-US" sz="3600" dirty="0" smtClean="0"/>
-              <a:t>Grocery Stores </a:t>
-            </a:r>
-            <a:r>
-              <a:rPr lang="en-US" sz="3600" dirty="0" smtClean="0"/>
-              <a:t>Per 1k People Linear &amp; Polynomial Regressions</a:t>
+              <a:t>Fast Food and Grocery Stores Per 1k People Linear &amp; Polynomial Regressions</a:t>
             </a:r>
             <a:endParaRPr lang="en-US" sz="3600" dirty="0"/>
           </a:p>
@@ -12105,17 +12100,12 @@
           <a:p>
             <a:r>
               <a:rPr lang="en-US" sz="1600" u="sng" dirty="0" smtClean="0"/>
-              <a:t>Regression </a:t>
-            </a:r>
-            <a:r>
-              <a:rPr lang="en-US" sz="1600" u="sng" dirty="0" smtClean="0"/>
-              <a:t>Scores</a:t>
+              <a:t>Regression Scores</a:t>
             </a:r>
             <a:r>
               <a:rPr lang="en-US" sz="1600" dirty="0" smtClean="0"/>
               <a:t> </a:t>
             </a:r>
-            <a:endParaRPr lang="en-US" sz="1600" dirty="0" smtClean="0"/>
           </a:p>
           <a:p>
             <a:r>
@@ -12155,11 +12145,7 @@
           <a:p>
             <a:r>
               <a:rPr lang="en-US" dirty="0" smtClean="0"/>
-              <a:t>Conclusion: </a:t>
-            </a:r>
-            <a:r>
-              <a:rPr lang="en-US" dirty="0" smtClean="0"/>
-              <a:t>Even worse than the Farmers Market analysis</a:t>
+              <a:t>Conclusion: Even worse than the Farmers Market analysis</a:t>
             </a:r>
             <a:endParaRPr lang="en-US" dirty="0"/>
           </a:p>
@@ -12249,26 +12235,17 @@
           <a:p>
             <a:r>
               <a:rPr lang="en-US" sz="1600" u="sng" dirty="0" smtClean="0"/>
-              <a:t>Regression </a:t>
-            </a:r>
-            <a:r>
-              <a:rPr lang="en-US" sz="1600" u="sng" dirty="0" smtClean="0"/>
-              <a:t>Scores</a:t>
+              <a:t>Regression Scores</a:t>
             </a:r>
             <a:r>
               <a:rPr lang="en-US" sz="1600" dirty="0" smtClean="0"/>
               <a:t> </a:t>
             </a:r>
-            <a:endParaRPr lang="en-US" sz="1600" dirty="0" smtClean="0"/>
           </a:p>
           <a:p>
             <a:r>
               <a:rPr lang="en-US" sz="1600" dirty="0" smtClean="0"/>
-              <a:t>Degree</a:t>
-            </a:r>
-            <a:r>
-              <a:rPr lang="en-US" sz="1600" dirty="0" smtClean="0"/>
-              <a:t>:</a:t>
+              <a:t>Degree:</a:t>
             </a:r>
             <a:endParaRPr lang="en-US" sz="1600" dirty="0"/>
           </a:p>
@@ -12277,7 +12254,6 @@
               <a:rPr lang="en-US" sz="1600" dirty="0"/>
               <a:t>[0.0055038499318978973, 0.0063996399612947785, 0.0094325969667015119, 0.0059002143372995919]</a:t>
             </a:r>
-            <a:endParaRPr lang="en-US" sz="1600" dirty="0"/>
           </a:p>
         </p:txBody>
       </p:sp>
@@ -12443,11 +12419,7 @@
           <a:p>
             <a:r>
               <a:rPr lang="en-US" sz="2400" dirty="0" smtClean="0"/>
-              <a:t>Conclusion: Insignificant linear correlation between Food Store availability per 1000 people and obesity rates</a:t>
-            </a:r>
-            <a:r>
-              <a:rPr lang="en-US" sz="2400" dirty="0" smtClean="0"/>
-              <a:t>.</a:t>
+              <a:t>Conclusion: Insignificant linear correlation between Food Store availability per 1000 people and obesity rates.</a:t>
             </a:r>
           </a:p>
           <a:p>
@@ -12585,27 +12557,7 @@
             </a:pPr>
             <a:r>
               <a:rPr lang="en-US" dirty="0" smtClean="0"/>
-              <a:t>Conclusion: </a:t>
-            </a:r>
-            <a:r>
-              <a:rPr lang="en-US" dirty="0" smtClean="0"/>
-              <a:t>No </a:t>
-            </a:r>
-            <a:r>
-              <a:rPr lang="en-US" dirty="0" smtClean="0"/>
-              <a:t>possible prediction from the 2D </a:t>
-            </a:r>
-            <a:r>
-              <a:rPr lang="en-US" dirty="0" smtClean="0"/>
-              <a:t>Log </a:t>
-            </a:r>
-            <a:r>
-              <a:rPr lang="en-US" dirty="0" smtClean="0"/>
-              <a:t>A</a:t>
-            </a:r>
-            <a:r>
-              <a:rPr lang="en-US" dirty="0" smtClean="0"/>
-              <a:t>nalysis</a:t>
+              <a:t>Conclusion: No possible prediction from the 2D Log Analysis</a:t>
             </a:r>
           </a:p>
           <a:p>
